--- a/trunk/Docs/Presentation/Kino.pptx
+++ b/trunk/Docs/Presentation/Kino.pptx
@@ -295,7 +295,8 @@
           <a:p>
             <a:fld id="{428E8F7F-F336-47A1-85CD-E8D1A42A8F89}" type="datetimeFigureOut">
               <a:rPr lang="en-US" smtClean="0"/>
-              <a:t>9/2/2010</a:t>
+              <a:pPr/>
+              <a:t>9/5/2010</a:t>
             </a:fld>
             <a:endParaRPr lang="en-US"/>
           </a:p>
@@ -337,6 +338,7 @@
           <a:p>
             <a:fld id="{5BD8D7F5-EF19-4538-B256-7115B409A5BB}" type="slidenum">
               <a:rPr lang="en-US" smtClean="0"/>
+              <a:pPr/>
               <a:t>‹#›</a:t>
             </a:fld>
             <a:endParaRPr lang="en-US"/>
@@ -460,7 +462,8 @@
           <a:p>
             <a:fld id="{428E8F7F-F336-47A1-85CD-E8D1A42A8F89}" type="datetimeFigureOut">
               <a:rPr lang="en-US" smtClean="0"/>
-              <a:t>9/2/2010</a:t>
+              <a:pPr/>
+              <a:t>9/5/2010</a:t>
             </a:fld>
             <a:endParaRPr lang="en-US"/>
           </a:p>
@@ -502,6 +505,7 @@
           <a:p>
             <a:fld id="{5BD8D7F5-EF19-4538-B256-7115B409A5BB}" type="slidenum">
               <a:rPr lang="en-US" smtClean="0"/>
+              <a:pPr/>
               <a:t>‹#›</a:t>
             </a:fld>
             <a:endParaRPr lang="en-US"/>
@@ -635,7 +639,8 @@
           <a:p>
             <a:fld id="{428E8F7F-F336-47A1-85CD-E8D1A42A8F89}" type="datetimeFigureOut">
               <a:rPr lang="en-US" smtClean="0"/>
-              <a:t>9/2/2010</a:t>
+              <a:pPr/>
+              <a:t>9/5/2010</a:t>
             </a:fld>
             <a:endParaRPr lang="en-US"/>
           </a:p>
@@ -677,6 +682,7 @@
           <a:p>
             <a:fld id="{5BD8D7F5-EF19-4538-B256-7115B409A5BB}" type="slidenum">
               <a:rPr lang="en-US" smtClean="0"/>
+              <a:pPr/>
               <a:t>‹#›</a:t>
             </a:fld>
             <a:endParaRPr lang="en-US"/>
@@ -800,7 +806,8 @@
           <a:p>
             <a:fld id="{428E8F7F-F336-47A1-85CD-E8D1A42A8F89}" type="datetimeFigureOut">
               <a:rPr lang="en-US" smtClean="0"/>
-              <a:t>9/2/2010</a:t>
+              <a:pPr/>
+              <a:t>9/5/2010</a:t>
             </a:fld>
             <a:endParaRPr lang="en-US"/>
           </a:p>
@@ -842,6 +849,7 @@
           <a:p>
             <a:fld id="{5BD8D7F5-EF19-4538-B256-7115B409A5BB}" type="slidenum">
               <a:rPr lang="en-US" smtClean="0"/>
+              <a:pPr/>
               <a:t>‹#›</a:t>
             </a:fld>
             <a:endParaRPr lang="en-US"/>
@@ -1041,7 +1049,8 @@
           <a:p>
             <a:fld id="{428E8F7F-F336-47A1-85CD-E8D1A42A8F89}" type="datetimeFigureOut">
               <a:rPr lang="en-US" smtClean="0"/>
-              <a:t>9/2/2010</a:t>
+              <a:pPr/>
+              <a:t>9/5/2010</a:t>
             </a:fld>
             <a:endParaRPr lang="en-US"/>
           </a:p>
@@ -1083,6 +1092,7 @@
           <a:p>
             <a:fld id="{5BD8D7F5-EF19-4538-B256-7115B409A5BB}" type="slidenum">
               <a:rPr lang="en-US" smtClean="0"/>
+              <a:pPr/>
               <a:t>‹#›</a:t>
             </a:fld>
             <a:endParaRPr lang="en-US"/>
@@ -1324,7 +1334,8 @@
           <a:p>
             <a:fld id="{428E8F7F-F336-47A1-85CD-E8D1A42A8F89}" type="datetimeFigureOut">
               <a:rPr lang="en-US" smtClean="0"/>
-              <a:t>9/2/2010</a:t>
+              <a:pPr/>
+              <a:t>9/5/2010</a:t>
             </a:fld>
             <a:endParaRPr lang="en-US"/>
           </a:p>
@@ -1366,6 +1377,7 @@
           <a:p>
             <a:fld id="{5BD8D7F5-EF19-4538-B256-7115B409A5BB}" type="slidenum">
               <a:rPr lang="en-US" smtClean="0"/>
+              <a:pPr/>
               <a:t>‹#›</a:t>
             </a:fld>
             <a:endParaRPr lang="en-US"/>
@@ -1741,7 +1753,8 @@
           <a:p>
             <a:fld id="{428E8F7F-F336-47A1-85CD-E8D1A42A8F89}" type="datetimeFigureOut">
               <a:rPr lang="en-US" smtClean="0"/>
-              <a:t>9/2/2010</a:t>
+              <a:pPr/>
+              <a:t>9/5/2010</a:t>
             </a:fld>
             <a:endParaRPr lang="en-US"/>
           </a:p>
@@ -1783,6 +1796,7 @@
           <a:p>
             <a:fld id="{5BD8D7F5-EF19-4538-B256-7115B409A5BB}" type="slidenum">
               <a:rPr lang="en-US" smtClean="0"/>
+              <a:pPr/>
               <a:t>‹#›</a:t>
             </a:fld>
             <a:endParaRPr lang="en-US"/>
@@ -1854,7 +1868,8 @@
           <a:p>
             <a:fld id="{428E8F7F-F336-47A1-85CD-E8D1A42A8F89}" type="datetimeFigureOut">
               <a:rPr lang="en-US" smtClean="0"/>
-              <a:t>9/2/2010</a:t>
+              <a:pPr/>
+              <a:t>9/5/2010</a:t>
             </a:fld>
             <a:endParaRPr lang="en-US"/>
           </a:p>
@@ -1896,6 +1911,7 @@
           <a:p>
             <a:fld id="{5BD8D7F5-EF19-4538-B256-7115B409A5BB}" type="slidenum">
               <a:rPr lang="en-US" smtClean="0"/>
+              <a:pPr/>
               <a:t>‹#›</a:t>
             </a:fld>
             <a:endParaRPr lang="en-US"/>
@@ -1944,7 +1960,8 @@
           <a:p>
             <a:fld id="{428E8F7F-F336-47A1-85CD-E8D1A42A8F89}" type="datetimeFigureOut">
               <a:rPr lang="en-US" smtClean="0"/>
-              <a:t>9/2/2010</a:t>
+              <a:pPr/>
+              <a:t>9/5/2010</a:t>
             </a:fld>
             <a:endParaRPr lang="en-US"/>
           </a:p>
@@ -1986,6 +2003,7 @@
           <a:p>
             <a:fld id="{5BD8D7F5-EF19-4538-B256-7115B409A5BB}" type="slidenum">
               <a:rPr lang="en-US" smtClean="0"/>
+              <a:pPr/>
               <a:t>‹#›</a:t>
             </a:fld>
             <a:endParaRPr lang="en-US"/>
@@ -2216,7 +2234,8 @@
           <a:p>
             <a:fld id="{428E8F7F-F336-47A1-85CD-E8D1A42A8F89}" type="datetimeFigureOut">
               <a:rPr lang="en-US" smtClean="0"/>
-              <a:t>9/2/2010</a:t>
+              <a:pPr/>
+              <a:t>9/5/2010</a:t>
             </a:fld>
             <a:endParaRPr lang="en-US"/>
           </a:p>
@@ -2258,6 +2277,7 @@
           <a:p>
             <a:fld id="{5BD8D7F5-EF19-4538-B256-7115B409A5BB}" type="slidenum">
               <a:rPr lang="en-US" smtClean="0"/>
+              <a:pPr/>
               <a:t>‹#›</a:t>
             </a:fld>
             <a:endParaRPr lang="en-US"/>
@@ -2464,7 +2484,8 @@
           <a:p>
             <a:fld id="{428E8F7F-F336-47A1-85CD-E8D1A42A8F89}" type="datetimeFigureOut">
               <a:rPr lang="en-US" smtClean="0"/>
-              <a:t>9/2/2010</a:t>
+              <a:pPr/>
+              <a:t>9/5/2010</a:t>
             </a:fld>
             <a:endParaRPr lang="en-US"/>
           </a:p>
@@ -2506,6 +2527,7 @@
           <a:p>
             <a:fld id="{5BD8D7F5-EF19-4538-B256-7115B409A5BB}" type="slidenum">
               <a:rPr lang="en-US" smtClean="0"/>
+              <a:pPr/>
               <a:t>‹#›</a:t>
             </a:fld>
             <a:endParaRPr lang="en-US"/>
@@ -2672,7 +2694,8 @@
           <a:p>
             <a:fld id="{428E8F7F-F336-47A1-85CD-E8D1A42A8F89}" type="datetimeFigureOut">
               <a:rPr lang="en-US" smtClean="0"/>
-              <a:t>9/2/2010</a:t>
+              <a:pPr/>
+              <a:t>9/5/2010</a:t>
             </a:fld>
             <a:endParaRPr lang="en-US"/>
           </a:p>
@@ -2750,6 +2773,7 @@
           <a:p>
             <a:fld id="{5BD8D7F5-EF19-4538-B256-7115B409A5BB}" type="slidenum">
               <a:rPr lang="en-US" smtClean="0"/>
+              <a:pPr/>
               <a:t>‹#›</a:t>
             </a:fld>
             <a:endParaRPr lang="en-US"/>
@@ -3344,7 +3368,7 @@
           <a:p>
             <a:r>
               <a:rPr lang="en-US" sz="4400" dirty="0" smtClean="0"/>
-              <a:t>Worthless media player in Android market</a:t>
+              <a:t>Most media players are cumbersome and unworthy</a:t>
             </a:r>
             <a:endParaRPr lang="en-US" sz="4400" dirty="0"/>
           </a:p>
@@ -3419,8 +3443,19 @@
           <a:p>
             <a:r>
               <a:rPr lang="en-US" sz="4400" dirty="0" smtClean="0"/>
-              <a:t>The entire device is a button</a:t>
-            </a:r>
+              <a:t>The entire device is a </a:t>
+            </a:r>
+            <a:r>
+              <a:rPr lang="en-US" sz="4400" dirty="0" smtClean="0"/>
+              <a:t>button</a:t>
+            </a:r>
+          </a:p>
+          <a:p>
+            <a:r>
+              <a:rPr lang="en-US" sz="4400" dirty="0" smtClean="0"/>
+              <a:t>Gestures replace “touch buttons”</a:t>
+            </a:r>
+            <a:endParaRPr lang="en-US" sz="4400" dirty="0" smtClean="0"/>
           </a:p>
           <a:p>
             <a:r>
@@ -3499,8 +3534,13 @@
           <a:p>
             <a:r>
               <a:rPr lang="en-US" sz="4400" dirty="0" smtClean="0"/>
-              <a:t>Double tap as a button</a:t>
-            </a:r>
+              <a:t>Double tap as </a:t>
+            </a:r>
+            <a:r>
+              <a:rPr lang="en-US" sz="4400" dirty="0" smtClean="0"/>
+              <a:t>an input method</a:t>
+            </a:r>
+            <a:endParaRPr lang="en-US" sz="4400" dirty="0" smtClean="0"/>
           </a:p>
           <a:p>
             <a:r>
@@ -3510,9 +3550,26 @@
           </a:p>
           <a:p>
             <a:r>
+              <a:rPr lang="en-US" sz="4400" dirty="0" err="1" smtClean="0"/>
+              <a:t>Automagically</a:t>
+            </a:r>
+            <a:r>
               <a:rPr lang="en-US" sz="4400" dirty="0" smtClean="0"/>
-              <a:t>Artist and Album art</a:t>
-            </a:r>
+              <a:t> fetched </a:t>
+            </a:r>
+            <a:r>
+              <a:rPr lang="en-US" sz="4400" dirty="0" smtClean="0"/>
+              <a:t>Artist </a:t>
+            </a:r>
+            <a:r>
+              <a:rPr lang="en-US" sz="4400" dirty="0" smtClean="0"/>
+              <a:t>and Album </a:t>
+            </a:r>
+            <a:r>
+              <a:rPr lang="en-US" sz="4400" dirty="0" smtClean="0"/>
+              <a:t>art</a:t>
+            </a:r>
+            <a:endParaRPr lang="en-US" sz="4400" dirty="0" smtClean="0"/>
           </a:p>
         </p:txBody>
       </p:sp>
@@ -3584,16 +3641,38 @@
           <a:lstStyle/>
           <a:p>
             <a:r>
+              <a:rPr lang="en-US" sz="4400" smtClean="0"/>
+              <a:t>Considering </a:t>
+            </a:r>
+            <a:r>
               <a:rPr lang="en-US" sz="4400" dirty="0" smtClean="0"/>
-              <a:t>Identifying double tap using sound (accelerometers failed)</a:t>
-            </a:r>
-          </a:p>
-          <a:p>
+              <a:t>usability </a:t>
+            </a:r>
             <a:r>
               <a:rPr lang="en-US" sz="4400" dirty="0" smtClean="0"/>
-              <a:t>Downloading art from last.fm</a:t>
-            </a:r>
-            <a:endParaRPr lang="en-US" sz="4400" dirty="0"/>
+              <a:t>issues</a:t>
+            </a:r>
+            <a:endParaRPr lang="en-US" sz="4400" dirty="0" smtClean="0"/>
+          </a:p>
+          <a:p>
+            <a:r>
+              <a:rPr lang="en-US" sz="4400" dirty="0" smtClean="0"/>
+              <a:t>Identifying double </a:t>
+            </a:r>
+            <a:r>
+              <a:rPr lang="en-US" sz="4400" dirty="0" smtClean="0"/>
+              <a:t>tap using sound (accelerometers failed)</a:t>
+            </a:r>
+          </a:p>
+          <a:p>
+            <a:r>
+              <a:rPr lang="en-US" sz="4400" dirty="0" smtClean="0"/>
+              <a:t>Downloading art from </a:t>
+            </a:r>
+            <a:r>
+              <a:rPr lang="en-US" sz="4400" dirty="0" smtClean="0"/>
+              <a:t>last.fm</a:t>
+            </a:r>
           </a:p>
         </p:txBody>
       </p:sp>

--- a/trunk/Docs/Presentation/Kino.pptx
+++ b/trunk/Docs/Presentation/Kino.pptx
@@ -2546,9 +2546,18 @@
 <p:sldMaster xmlns:a="http://schemas.openxmlformats.org/drawingml/2006/main" xmlns:r="http://schemas.openxmlformats.org/officeDocument/2006/relationships" xmlns:p="http://schemas.openxmlformats.org/presentationml/2006/main">
   <p:cSld>
     <p:bg>
-      <p:bgRef idx="1001">
-        <a:schemeClr val="bg1"/>
-      </p:bgRef>
+      <p:bgPr>
+        <a:blipFill dpi="0" rotWithShape="1">
+          <a:blip r:embed="rId13" cstate="print">
+            <a:lum/>
+          </a:blip>
+          <a:srcRect/>
+          <a:stretch>
+            <a:fillRect l="-17000" r="-17000"/>
+          </a:stretch>
+        </a:blipFill>
+        <a:effectLst/>
+      </p:bgPr>
     </p:bg>
     <p:spTree>
       <p:nvGrpSpPr>
@@ -3052,6 +3061,20 @@
 <file path=ppt/slides/slide1.xml><?xml version="1.0" encoding="utf-8"?>
 <p:sld xmlns:a="http://schemas.openxmlformats.org/drawingml/2006/main" xmlns:r="http://schemas.openxmlformats.org/officeDocument/2006/relationships" xmlns:p="http://schemas.openxmlformats.org/presentationml/2006/main">
   <p:cSld>
+    <p:bg>
+      <p:bgPr>
+        <a:blipFill dpi="0" rotWithShape="1">
+          <a:blip r:embed="rId2" cstate="print">
+            <a:lum/>
+          </a:blip>
+          <a:srcRect/>
+          <a:stretch>
+            <a:fillRect l="-7000" t="-10000" r="-5000" b="-1000"/>
+          </a:stretch>
+        </a:blipFill>
+        <a:effectLst/>
+      </p:bgPr>
+    </p:bg>
     <p:spTree>
       <p:nvGrpSpPr>
         <p:cNvPr id="1" name=""/>
@@ -3076,7 +3099,12 @@
             <p:ph type="ctrTitle"/>
           </p:nvPr>
         </p:nvSpPr>
-        <p:spPr/>
+        <p:spPr>
+          <a:xfrm>
+            <a:off x="3581400" y="685800"/>
+            <a:ext cx="7772400" cy="1470025"/>
+          </a:xfrm>
+        </p:spPr>
         <p:txBody>
           <a:bodyPr/>
           <a:lstStyle/>
@@ -3099,29 +3127,74 @@
             <p:ph type="subTitle" idx="1"/>
           </p:nvPr>
         </p:nvSpPr>
-        <p:spPr/>
+        <p:spPr>
+          <a:xfrm>
+            <a:off x="5410200" y="1828800"/>
+            <a:ext cx="6629400" cy="1752600"/>
+          </a:xfrm>
+        </p:spPr>
         <p:txBody>
           <a:bodyPr>
             <a:normAutofit/>
           </a:bodyPr>
           <a:lstStyle/>
           <a:p>
+            <a:pPr algn="l">
+              <a:spcBef>
+                <a:spcPts val="0"/>
+              </a:spcBef>
+            </a:pPr>
             <a:r>
               <a:rPr lang="en-US" sz="3600" dirty="0" smtClean="0">
                 <a:solidFill>
-                  <a:schemeClr val="tx1">
-                    <a:lumMod val="65000"/>
-                    <a:lumOff val="35000"/>
+                  <a:schemeClr val="tx2">
+                    <a:lumMod val="75000"/>
                   </a:schemeClr>
                 </a:solidFill>
               </a:rPr>
-              <a:t>Kinetic Media Player</a:t>
+              <a:t>Kinetic </a:t>
+            </a:r>
+            <a:r>
+              <a:rPr lang="en-US" sz="3600" dirty="0" smtClean="0">
+                <a:solidFill>
+                  <a:schemeClr val="tx2">
+                    <a:lumMod val="75000"/>
+                  </a:schemeClr>
+                </a:solidFill>
+              </a:rPr>
+              <a:t>Android</a:t>
+            </a:r>
+          </a:p>
+          <a:p>
+            <a:pPr algn="l">
+              <a:spcBef>
+                <a:spcPts val="0"/>
+              </a:spcBef>
+            </a:pPr>
+            <a:r>
+              <a:rPr lang="en-US" sz="3600" dirty="0" smtClean="0">
+                <a:solidFill>
+                  <a:schemeClr val="tx2">
+                    <a:lumMod val="75000"/>
+                  </a:schemeClr>
+                </a:solidFill>
+              </a:rPr>
+              <a:t>Media </a:t>
+            </a:r>
+            <a:r>
+              <a:rPr lang="en-US" sz="3600" dirty="0" smtClean="0">
+                <a:solidFill>
+                  <a:schemeClr val="tx2">
+                    <a:lumMod val="75000"/>
+                  </a:schemeClr>
+                </a:solidFill>
+              </a:rPr>
+              <a:t>Player</a:t>
             </a:r>
             <a:endParaRPr lang="en-US" sz="3600" dirty="0">
               <a:solidFill>
-                <a:schemeClr val="tx1">
-                  <a:lumMod val="65000"/>
-                  <a:lumOff val="35000"/>
+                <a:schemeClr val="tx2">
+                  <a:lumMod val="75000"/>
                 </a:schemeClr>
               </a:solidFill>
             </a:endParaRPr>
@@ -3136,7 +3209,7 @@
         </p:nvSpPr>
         <p:spPr>
           <a:xfrm>
-            <a:off x="0" y="5715000"/>
+            <a:off x="0" y="6031468"/>
             <a:ext cx="9144000" cy="369332"/>
           </a:xfrm>
           <a:prstGeom prst="rect">
@@ -3228,6 +3301,32 @@
           </a:p>
         </p:txBody>
       </p:sp>
+      <p:pic>
+        <p:nvPicPr>
+          <p:cNvPr id="1026" name="Picture 2" descr="C:\temp\icon.png"/>
+          <p:cNvPicPr>
+            <a:picLocks noChangeAspect="1" noChangeArrowheads="1"/>
+          </p:cNvPicPr>
+          <p:nvPr/>
+        </p:nvPicPr>
+        <p:blipFill>
+          <a:blip r:embed="rId3" cstate="print"/>
+          <a:srcRect/>
+          <a:stretch>
+            <a:fillRect/>
+          </a:stretch>
+        </p:blipFill>
+        <p:spPr bwMode="auto">
+          <a:xfrm>
+            <a:off x="5410200" y="838200"/>
+            <a:ext cx="1116012" cy="1116012"/>
+          </a:xfrm>
+          <a:prstGeom prst="rect">
+            <a:avLst/>
+          </a:prstGeom>
+          <a:noFill/>
+        </p:spPr>
+      </p:pic>
     </p:spTree>
   </p:cSld>
   <p:clrMapOvr>
@@ -3276,25 +3375,32 @@
           </a:p>
         </p:txBody>
       </p:sp>
-      <p:sp>
-        <p:nvSpPr>
-          <p:cNvPr id="3" name="Content Placeholder 2"/>
-          <p:cNvSpPr>
-            <a:spLocks noGrp="1"/>
-          </p:cNvSpPr>
-          <p:nvPr>
-            <p:ph idx="1"/>
-          </p:nvPr>
-        </p:nvSpPr>
-        <p:spPr/>
-        <p:txBody>
-          <a:bodyPr/>
-          <a:lstStyle/>
-          <a:p>
-            <a:endParaRPr lang="en-US"/>
-          </a:p>
-        </p:txBody>
-      </p:sp>
+      <p:pic>
+        <p:nvPicPr>
+          <p:cNvPr id="2050" name="Picture 2" descr="C:\temp\images\palyer.png"/>
+          <p:cNvPicPr>
+            <a:picLocks noChangeAspect="1" noChangeArrowheads="1"/>
+          </p:cNvPicPr>
+          <p:nvPr/>
+        </p:nvPicPr>
+        <p:blipFill>
+          <a:blip r:embed="rId2" cstate="print"/>
+          <a:srcRect/>
+          <a:stretch>
+            <a:fillRect/>
+          </a:stretch>
+        </p:blipFill>
+        <p:spPr bwMode="auto">
+          <a:xfrm>
+            <a:off x="3276600" y="1447800"/>
+            <a:ext cx="2819400" cy="4699001"/>
+          </a:xfrm>
+          <a:prstGeom prst="rect">
+            <a:avLst/>
+          </a:prstGeom>
+          <a:noFill/>
+        </p:spPr>
+      </p:pic>
     </p:spTree>
   </p:cSld>
   <p:clrMapOvr>
@@ -3353,10 +3459,15 @@
             <p:ph idx="1"/>
           </p:nvPr>
         </p:nvSpPr>
-        <p:spPr/>
+        <p:spPr>
+          <a:xfrm>
+            <a:off x="457200" y="1600200"/>
+            <a:ext cx="4800600" cy="4525963"/>
+          </a:xfrm>
+        </p:spPr>
         <p:txBody>
           <a:bodyPr>
-            <a:normAutofit/>
+            <a:normAutofit lnSpcReduction="10000"/>
           </a:bodyPr>
           <a:lstStyle/>
           <a:p>
@@ -3374,6 +3485,32 @@
           </a:p>
         </p:txBody>
       </p:sp>
+      <p:pic>
+        <p:nvPicPr>
+          <p:cNvPr id="3074" name="Picture 2" descr="C:\temp\images\artist.png"/>
+          <p:cNvPicPr>
+            <a:picLocks noChangeAspect="1" noChangeArrowheads="1"/>
+          </p:cNvPicPr>
+          <p:nvPr/>
+        </p:nvPicPr>
+        <p:blipFill>
+          <a:blip r:embed="rId2" cstate="print"/>
+          <a:srcRect/>
+          <a:stretch>
+            <a:fillRect/>
+          </a:stretch>
+        </p:blipFill>
+        <p:spPr bwMode="auto">
+          <a:xfrm>
+            <a:off x="5334000" y="1371600"/>
+            <a:ext cx="2895600" cy="4826000"/>
+          </a:xfrm>
+          <a:prstGeom prst="rect">
+            <a:avLst/>
+          </a:prstGeom>
+          <a:noFill/>
+        </p:spPr>
+      </p:pic>
     </p:spTree>
   </p:cSld>
   <p:clrMapOvr>
@@ -3434,20 +3571,21 @@
             <p:ph idx="1"/>
           </p:nvPr>
         </p:nvSpPr>
-        <p:spPr/>
+        <p:spPr>
+          <a:xfrm>
+            <a:off x="457200" y="1371600"/>
+            <a:ext cx="8229600" cy="2667000"/>
+          </a:xfrm>
+        </p:spPr>
         <p:txBody>
           <a:bodyPr>
-            <a:normAutofit/>
+            <a:normAutofit fontScale="92500" lnSpcReduction="10000"/>
           </a:bodyPr>
           <a:lstStyle/>
           <a:p>
             <a:r>
               <a:rPr lang="en-US" sz="4400" dirty="0" smtClean="0"/>
-              <a:t>The entire device is a </a:t>
-            </a:r>
-            <a:r>
-              <a:rPr lang="en-US" sz="4400" dirty="0" smtClean="0"/>
-              <a:t>button</a:t>
+              <a:t>The entire device is a button</a:t>
             </a:r>
           </a:p>
           <a:p>
@@ -3455,7 +3593,6 @@
               <a:rPr lang="en-US" sz="4400" dirty="0" smtClean="0"/>
               <a:t>Gestures replace “touch buttons”</a:t>
             </a:r>
-            <a:endParaRPr lang="en-US" sz="4400" dirty="0" smtClean="0"/>
           </a:p>
           <a:p>
             <a:r>
@@ -3465,6 +3602,32 @@
           </a:p>
         </p:txBody>
       </p:sp>
+      <p:pic>
+        <p:nvPicPr>
+          <p:cNvPr id="4098" name="Picture 2" descr="C:\temp\images\playlistview.png"/>
+          <p:cNvPicPr>
+            <a:picLocks noChangeAspect="1" noChangeArrowheads="1"/>
+          </p:cNvPicPr>
+          <p:nvPr/>
+        </p:nvPicPr>
+        <p:blipFill>
+          <a:blip r:embed="rId2" cstate="print"/>
+          <a:srcRect/>
+          <a:stretch>
+            <a:fillRect/>
+          </a:stretch>
+        </p:blipFill>
+        <p:spPr bwMode="auto">
+          <a:xfrm>
+            <a:off x="2362200" y="4038600"/>
+            <a:ext cx="3962400" cy="2377440"/>
+          </a:xfrm>
+          <a:prstGeom prst="rect">
+            <a:avLst/>
+          </a:prstGeom>
+          <a:noFill/>
+        </p:spPr>
+      </p:pic>
     </p:spTree>
   </p:cSld>
   <p:clrMapOvr>
@@ -3525,22 +3688,22 @@
             <p:ph idx="1"/>
           </p:nvPr>
         </p:nvSpPr>
-        <p:spPr/>
+        <p:spPr>
+          <a:xfrm>
+            <a:off x="457200" y="1600200"/>
+            <a:ext cx="5181600" cy="4525963"/>
+          </a:xfrm>
+        </p:spPr>
         <p:txBody>
           <a:bodyPr>
-            <a:normAutofit/>
+            <a:normAutofit fontScale="92500" lnSpcReduction="10000"/>
           </a:bodyPr>
           <a:lstStyle/>
           <a:p>
             <a:r>
               <a:rPr lang="en-US" sz="4400" dirty="0" smtClean="0"/>
-              <a:t>Double tap as </a:t>
-            </a:r>
-            <a:r>
-              <a:rPr lang="en-US" sz="4400" dirty="0" smtClean="0"/>
-              <a:t>an input method</a:t>
-            </a:r>
-            <a:endParaRPr lang="en-US" sz="4400" dirty="0" smtClean="0"/>
+              <a:t>Double tap as an input method</a:t>
+            </a:r>
           </a:p>
           <a:p>
             <a:r>
@@ -3555,24 +3718,37 @@
             </a:r>
             <a:r>
               <a:rPr lang="en-US" sz="4400" dirty="0" smtClean="0"/>
-              <a:t> fetched </a:t>
-            </a:r>
-            <a:r>
-              <a:rPr lang="en-US" sz="4400" dirty="0" smtClean="0"/>
-              <a:t>Artist </a:t>
-            </a:r>
-            <a:r>
-              <a:rPr lang="en-US" sz="4400" dirty="0" smtClean="0"/>
-              <a:t>and Album </a:t>
-            </a:r>
-            <a:r>
-              <a:rPr lang="en-US" sz="4400" dirty="0" smtClean="0"/>
-              <a:t>art</a:t>
-            </a:r>
-            <a:endParaRPr lang="en-US" sz="4400" dirty="0" smtClean="0"/>
-          </a:p>
-        </p:txBody>
-      </p:sp>
+              <a:t> fetched Artist and Album art</a:t>
+            </a:r>
+          </a:p>
+        </p:txBody>
+      </p:sp>
+      <p:pic>
+        <p:nvPicPr>
+          <p:cNvPr id="5122" name="Picture 2" descr="C:\temp\images\updating.png"/>
+          <p:cNvPicPr>
+            <a:picLocks noChangeAspect="1" noChangeArrowheads="1"/>
+          </p:cNvPicPr>
+          <p:nvPr/>
+        </p:nvPicPr>
+        <p:blipFill>
+          <a:blip r:embed="rId2" cstate="print"/>
+          <a:srcRect/>
+          <a:stretch>
+            <a:fillRect/>
+          </a:stretch>
+        </p:blipFill>
+        <p:spPr bwMode="auto">
+          <a:xfrm>
+            <a:off x="5791200" y="1524000"/>
+            <a:ext cx="2834640" cy="4724400"/>
+          </a:xfrm>
+          <a:prstGeom prst="rect">
+            <a:avLst/>
+          </a:prstGeom>
+          <a:noFill/>
+        </p:spPr>
+      </p:pic>
     </p:spTree>
   </p:cSld>
   <p:clrMapOvr>
@@ -3633,49 +3809,63 @@
             <p:ph idx="1"/>
           </p:nvPr>
         </p:nvSpPr>
-        <p:spPr/>
+        <p:spPr>
+          <a:xfrm>
+            <a:off x="457200" y="1600200"/>
+            <a:ext cx="5181600" cy="4648200"/>
+          </a:xfrm>
+        </p:spPr>
         <p:txBody>
           <a:bodyPr>
-            <a:normAutofit/>
+            <a:normAutofit fontScale="92500" lnSpcReduction="20000"/>
           </a:bodyPr>
           <a:lstStyle/>
           <a:p>
             <a:r>
-              <a:rPr lang="en-US" sz="4400" smtClean="0"/>
-              <a:t>Considering </a:t>
-            </a:r>
-            <a:r>
               <a:rPr lang="en-US" sz="4400" dirty="0" smtClean="0"/>
-              <a:t>usability </a:t>
-            </a:r>
+              <a:t>Considering usability issues</a:t>
+            </a:r>
+          </a:p>
+          <a:p>
             <a:r>
               <a:rPr lang="en-US" sz="4400" dirty="0" smtClean="0"/>
-              <a:t>issues</a:t>
-            </a:r>
-            <a:endParaRPr lang="en-US" sz="4400" dirty="0" smtClean="0"/>
+              <a:t>Identifying double tap using sound (accelerometers failed)</a:t>
+            </a:r>
           </a:p>
           <a:p>
             <a:r>
               <a:rPr lang="en-US" sz="4400" dirty="0" smtClean="0"/>
-              <a:t>Identifying double </a:t>
-            </a:r>
-            <a:r>
-              <a:rPr lang="en-US" sz="4400" dirty="0" smtClean="0"/>
-              <a:t>tap using sound (accelerometers failed)</a:t>
-            </a:r>
-          </a:p>
-          <a:p>
-            <a:r>
-              <a:rPr lang="en-US" sz="4400" dirty="0" smtClean="0"/>
-              <a:t>Downloading art from </a:t>
-            </a:r>
-            <a:r>
-              <a:rPr lang="en-US" sz="4400" dirty="0" smtClean="0"/>
-              <a:t>last.fm</a:t>
-            </a:r>
-          </a:p>
-        </p:txBody>
-      </p:sp>
+              <a:t>Downloading art from last.fm</a:t>
+            </a:r>
+          </a:p>
+        </p:txBody>
+      </p:sp>
+      <p:pic>
+        <p:nvPicPr>
+          <p:cNvPr id="6146" name="Picture 2" descr="C:\temp\images\albums.png"/>
+          <p:cNvPicPr>
+            <a:picLocks noChangeAspect="1" noChangeArrowheads="1"/>
+          </p:cNvPicPr>
+          <p:nvPr/>
+        </p:nvPicPr>
+        <p:blipFill>
+          <a:blip r:embed="rId2" cstate="print"/>
+          <a:srcRect/>
+          <a:stretch>
+            <a:fillRect/>
+          </a:stretch>
+        </p:blipFill>
+        <p:spPr bwMode="auto">
+          <a:xfrm>
+            <a:off x="5943600" y="1676400"/>
+            <a:ext cx="2651760" cy="4419600"/>
+          </a:xfrm>
+          <a:prstGeom prst="rect">
+            <a:avLst/>
+          </a:prstGeom>
+          <a:noFill/>
+        </p:spPr>
+      </p:pic>
     </p:spTree>
   </p:cSld>
   <p:clrMapOvr>
